--- a/LightSwitchAppsPublishing-toni.pptx
+++ b/LightSwitchAppsPublishing-toni.pptx
@@ -5192,13 +5192,8 @@
             </a:pPr>
             <a:r>
               <a:rPr lang="id-ID" sz="3600" dirty="0" smtClean="0"/>
-              <a:t>Toni Dermawan </a:t>
-            </a:r>
-            <a:r>
-              <a:rPr lang="id-ID" sz="3600" dirty="0" smtClean="0"/>
-              <a:t>Yuliyanto</a:t>
-            </a:r>
-            <a:endParaRPr lang="id-ID" sz="3600" dirty="0" smtClean="0"/>
+              <a:t>Toni Dermawan Yuliyanto</a:t>
+            </a:r>
           </a:p>
           <a:p>
             <a:pPr marL="0" indent="0">
@@ -5240,11 +5235,7 @@
             </a:pPr>
             <a:r>
               <a:rPr lang="id-ID" sz="3600" dirty="0" smtClean="0"/>
-              <a:t>Mail = </a:t>
-            </a:r>
-            <a:r>
-              <a:rPr lang="id-ID" sz="3600" dirty="0" smtClean="0"/>
-              <a:t>toni@erudeye.co.id</a:t>
+              <a:t>Mail = toni@erudeye.co.id</a:t>
             </a:r>
           </a:p>
           <a:p>
@@ -5397,6 +5388,189 @@
               <a:t>support LightSwitch hosting.</a:t>
             </a:r>
             <a:endParaRPr lang="id-ID" sz="3600" dirty="0"/>
+          </a:p>
+        </p:txBody>
+      </p:sp>
+      <p:sp>
+        <p:nvSpPr>
+          <p:cNvPr id="5" name="Content Placeholder 2"/>
+          <p:cNvSpPr txBox="1">
+            <a:spLocks/>
+          </p:cNvSpPr>
+          <p:nvPr/>
+        </p:nvSpPr>
+        <p:spPr>
+          <a:xfrm>
+            <a:off x="3779912" y="4454624"/>
+            <a:ext cx="5112568" cy="2016224"/>
+          </a:xfrm>
+          <a:prstGeom prst="rect">
+            <a:avLst/>
+          </a:prstGeom>
+        </p:spPr>
+        <p:txBody>
+          <a:bodyPr vert="horz" lIns="91440" tIns="45720" rIns="91440" bIns="45720" rtlCol="0">
+            <a:noAutofit/>
+          </a:bodyPr>
+          <a:lstStyle>
+            <a:lvl1pPr marL="342900" indent="-342900" algn="l" defTabSz="914400" rtl="0" eaLnBrk="1" latinLnBrk="0" hangingPunct="1">
+              <a:spcBef>
+                <a:spcPct val="20000"/>
+              </a:spcBef>
+              <a:buFont typeface="Arial" pitchFamily="34" charset="0"/>
+              <a:buChar char="•"/>
+              <a:defRPr sz="3200" kern="1200">
+                <a:solidFill>
+                  <a:schemeClr val="tx1"/>
+                </a:solidFill>
+                <a:latin typeface="+mn-lt"/>
+                <a:ea typeface="+mn-ea"/>
+                <a:cs typeface="+mn-cs"/>
+              </a:defRPr>
+            </a:lvl1pPr>
+            <a:lvl2pPr marL="742950" indent="-285750" algn="l" defTabSz="914400" rtl="0" eaLnBrk="1" latinLnBrk="0" hangingPunct="1">
+              <a:spcBef>
+                <a:spcPct val="20000"/>
+              </a:spcBef>
+              <a:buFont typeface="Arial" pitchFamily="34" charset="0"/>
+              <a:buChar char="–"/>
+              <a:defRPr sz="2800" kern="1200">
+                <a:solidFill>
+                  <a:schemeClr val="tx1"/>
+                </a:solidFill>
+                <a:latin typeface="+mn-lt"/>
+                <a:ea typeface="+mn-ea"/>
+                <a:cs typeface="+mn-cs"/>
+              </a:defRPr>
+            </a:lvl2pPr>
+            <a:lvl3pPr marL="1143000" indent="-228600" algn="l" defTabSz="914400" rtl="0" eaLnBrk="1" latinLnBrk="0" hangingPunct="1">
+              <a:spcBef>
+                <a:spcPct val="20000"/>
+              </a:spcBef>
+              <a:buFont typeface="Arial" pitchFamily="34" charset="0"/>
+              <a:buChar char="•"/>
+              <a:defRPr sz="2400" kern="1200">
+                <a:solidFill>
+                  <a:schemeClr val="tx1"/>
+                </a:solidFill>
+                <a:latin typeface="+mn-lt"/>
+                <a:ea typeface="+mn-ea"/>
+                <a:cs typeface="+mn-cs"/>
+              </a:defRPr>
+            </a:lvl3pPr>
+            <a:lvl4pPr marL="1600200" indent="-228600" algn="l" defTabSz="914400" rtl="0" eaLnBrk="1" latinLnBrk="0" hangingPunct="1">
+              <a:spcBef>
+                <a:spcPct val="20000"/>
+              </a:spcBef>
+              <a:buFont typeface="Arial" pitchFamily="34" charset="0"/>
+              <a:buChar char="–"/>
+              <a:defRPr sz="2000" kern="1200">
+                <a:solidFill>
+                  <a:schemeClr val="tx1"/>
+                </a:solidFill>
+                <a:latin typeface="+mn-lt"/>
+                <a:ea typeface="+mn-ea"/>
+                <a:cs typeface="+mn-cs"/>
+              </a:defRPr>
+            </a:lvl4pPr>
+            <a:lvl5pPr marL="2057400" indent="-228600" algn="l" defTabSz="914400" rtl="0" eaLnBrk="1" latinLnBrk="0" hangingPunct="1">
+              <a:spcBef>
+                <a:spcPct val="20000"/>
+              </a:spcBef>
+              <a:buFont typeface="Arial" pitchFamily="34" charset="0"/>
+              <a:buChar char="»"/>
+              <a:defRPr sz="2000" kern="1200">
+                <a:solidFill>
+                  <a:schemeClr val="tx1"/>
+                </a:solidFill>
+                <a:latin typeface="+mn-lt"/>
+                <a:ea typeface="+mn-ea"/>
+                <a:cs typeface="+mn-cs"/>
+              </a:defRPr>
+            </a:lvl5pPr>
+            <a:lvl6pPr marL="2514600" indent="-228600" algn="l" defTabSz="914400" rtl="0" eaLnBrk="1" latinLnBrk="0" hangingPunct="1">
+              <a:spcBef>
+                <a:spcPct val="20000"/>
+              </a:spcBef>
+              <a:buFont typeface="Arial" pitchFamily="34" charset="0"/>
+              <a:buChar char="•"/>
+              <a:defRPr sz="2000" kern="1200">
+                <a:solidFill>
+                  <a:schemeClr val="tx1"/>
+                </a:solidFill>
+                <a:latin typeface="+mn-lt"/>
+                <a:ea typeface="+mn-ea"/>
+                <a:cs typeface="+mn-cs"/>
+              </a:defRPr>
+            </a:lvl6pPr>
+            <a:lvl7pPr marL="2971800" indent="-228600" algn="l" defTabSz="914400" rtl="0" eaLnBrk="1" latinLnBrk="0" hangingPunct="1">
+              <a:spcBef>
+                <a:spcPct val="20000"/>
+              </a:spcBef>
+              <a:buFont typeface="Arial" pitchFamily="34" charset="0"/>
+              <a:buChar char="•"/>
+              <a:defRPr sz="2000" kern="1200">
+                <a:solidFill>
+                  <a:schemeClr val="tx1"/>
+                </a:solidFill>
+                <a:latin typeface="+mn-lt"/>
+                <a:ea typeface="+mn-ea"/>
+                <a:cs typeface="+mn-cs"/>
+              </a:defRPr>
+            </a:lvl7pPr>
+            <a:lvl8pPr marL="3429000" indent="-228600" algn="l" defTabSz="914400" rtl="0" eaLnBrk="1" latinLnBrk="0" hangingPunct="1">
+              <a:spcBef>
+                <a:spcPct val="20000"/>
+              </a:spcBef>
+              <a:buFont typeface="Arial" pitchFamily="34" charset="0"/>
+              <a:buChar char="•"/>
+              <a:defRPr sz="2000" kern="1200">
+                <a:solidFill>
+                  <a:schemeClr val="tx1"/>
+                </a:solidFill>
+                <a:latin typeface="+mn-lt"/>
+                <a:ea typeface="+mn-ea"/>
+                <a:cs typeface="+mn-cs"/>
+              </a:defRPr>
+            </a:lvl8pPr>
+            <a:lvl9pPr marL="3886200" indent="-228600" algn="l" defTabSz="914400" rtl="0" eaLnBrk="1" latinLnBrk="0" hangingPunct="1">
+              <a:spcBef>
+                <a:spcPct val="20000"/>
+              </a:spcBef>
+              <a:buFont typeface="Arial" pitchFamily="34" charset="0"/>
+              <a:buChar char="•"/>
+              <a:defRPr sz="2000" kern="1200">
+                <a:solidFill>
+                  <a:schemeClr val="tx1"/>
+                </a:solidFill>
+                <a:latin typeface="+mn-lt"/>
+                <a:ea typeface="+mn-ea"/>
+                <a:cs typeface="+mn-cs"/>
+              </a:defRPr>
+            </a:lvl9pPr>
+          </a:lstStyle>
+          <a:p>
+            <a:pPr marL="0" indent="0">
+              <a:buNone/>
+            </a:pPr>
+            <a:r>
+              <a:rPr lang="id-ID" sz="3600" dirty="0" smtClean="0"/>
+              <a:t>Want this slide?</a:t>
+            </a:r>
+          </a:p>
+          <a:p>
+            <a:pPr marL="0" indent="0">
+              <a:buNone/>
+            </a:pPr>
+            <a:r>
+              <a:rPr lang="id-ID" sz="3600" dirty="0" smtClean="0"/>
+              <a:t>check at </a:t>
+            </a:r>
+            <a:r>
+              <a:rPr lang="id-ID" sz="3600" b="1" dirty="0" smtClean="0"/>
+              <a:t>github.com/tonidy</a:t>
+            </a:r>
+            <a:endParaRPr lang="id-ID" sz="3600" b="1" dirty="0"/>
           </a:p>
         </p:txBody>
       </p:sp>

--- a/LightSwitchAppsPublishing-toni.pptx
+++ b/LightSwitchAppsPublishing-toni.pptx
@@ -20,11 +20,11 @@
     <p:sldId id="262" r:id="rId11"/>
     <p:sldId id="275" r:id="rId12"/>
     <p:sldId id="263" r:id="rId13"/>
-    <p:sldId id="264" r:id="rId14"/>
-    <p:sldId id="265" r:id="rId15"/>
-    <p:sldId id="273" r:id="rId16"/>
-    <p:sldId id="266" r:id="rId17"/>
-    <p:sldId id="267" r:id="rId18"/>
+    <p:sldId id="273" r:id="rId14"/>
+    <p:sldId id="266" r:id="rId15"/>
+    <p:sldId id="267" r:id="rId16"/>
+    <p:sldId id="276" r:id="rId17"/>
+    <p:sldId id="265" r:id="rId18"/>
     <p:sldId id="268" r:id="rId19"/>
     <p:sldId id="258" r:id="rId20"/>
     <p:sldId id="271" r:id="rId21"/>
@@ -211,7 +211,7 @@
           <a:p>
             <a:fld id="{99E6FAB9-A940-455B-90DD-23C36325C0DF}" type="datetimeFigureOut">
               <a:rPr lang="id-ID" smtClean="0"/>
-              <a:t>22/09/2011</a:t>
+              <a:t>23/09/2011</a:t>
             </a:fld>
             <a:endParaRPr lang="id-ID"/>
           </a:p>
@@ -636,7 +636,7 @@
           <a:p>
             <a:fld id="{DB6B6FA8-A2B8-4876-A40F-9DC8CCE1AC3D}" type="slidenum">
               <a:rPr lang="id-ID" smtClean="0"/>
-              <a:t>14</a:t>
+              <a:t>17</a:t>
             </a:fld>
             <a:endParaRPr lang="id-ID"/>
           </a:p>
@@ -836,7 +836,7 @@
           <a:p>
             <a:fld id="{F024C23F-14D2-4350-A282-B605EC3C94A5}" type="datetimeFigureOut">
               <a:rPr lang="id-ID" smtClean="0"/>
-              <a:t>22/09/2011</a:t>
+              <a:t>23/09/2011</a:t>
             </a:fld>
             <a:endParaRPr lang="id-ID"/>
           </a:p>
@@ -1006,7 +1006,7 @@
           <a:p>
             <a:fld id="{F024C23F-14D2-4350-A282-B605EC3C94A5}" type="datetimeFigureOut">
               <a:rPr lang="id-ID" smtClean="0"/>
-              <a:t>22/09/2011</a:t>
+              <a:t>23/09/2011</a:t>
             </a:fld>
             <a:endParaRPr lang="id-ID"/>
           </a:p>
@@ -1186,7 +1186,7 @@
           <a:p>
             <a:fld id="{F024C23F-14D2-4350-A282-B605EC3C94A5}" type="datetimeFigureOut">
               <a:rPr lang="id-ID" smtClean="0"/>
-              <a:t>22/09/2011</a:t>
+              <a:t>23/09/2011</a:t>
             </a:fld>
             <a:endParaRPr lang="id-ID"/>
           </a:p>
@@ -1356,7 +1356,7 @@
           <a:p>
             <a:fld id="{F024C23F-14D2-4350-A282-B605EC3C94A5}" type="datetimeFigureOut">
               <a:rPr lang="id-ID" smtClean="0"/>
-              <a:t>22/09/2011</a:t>
+              <a:t>23/09/2011</a:t>
             </a:fld>
             <a:endParaRPr lang="id-ID"/>
           </a:p>
@@ -1602,7 +1602,7 @@
           <a:p>
             <a:fld id="{F024C23F-14D2-4350-A282-B605EC3C94A5}" type="datetimeFigureOut">
               <a:rPr lang="id-ID" smtClean="0"/>
-              <a:t>22/09/2011</a:t>
+              <a:t>23/09/2011</a:t>
             </a:fld>
             <a:endParaRPr lang="id-ID"/>
           </a:p>
@@ -1890,7 +1890,7 @@
           <a:p>
             <a:fld id="{F024C23F-14D2-4350-A282-B605EC3C94A5}" type="datetimeFigureOut">
               <a:rPr lang="id-ID" smtClean="0"/>
-              <a:t>22/09/2011</a:t>
+              <a:t>23/09/2011</a:t>
             </a:fld>
             <a:endParaRPr lang="id-ID"/>
           </a:p>
@@ -2312,7 +2312,7 @@
           <a:p>
             <a:fld id="{F024C23F-14D2-4350-A282-B605EC3C94A5}" type="datetimeFigureOut">
               <a:rPr lang="id-ID" smtClean="0"/>
-              <a:t>22/09/2011</a:t>
+              <a:t>23/09/2011</a:t>
             </a:fld>
             <a:endParaRPr lang="id-ID"/>
           </a:p>
@@ -2430,7 +2430,7 @@
           <a:p>
             <a:fld id="{F024C23F-14D2-4350-A282-B605EC3C94A5}" type="datetimeFigureOut">
               <a:rPr lang="id-ID" smtClean="0"/>
-              <a:t>22/09/2011</a:t>
+              <a:t>23/09/2011</a:t>
             </a:fld>
             <a:endParaRPr lang="id-ID"/>
           </a:p>
@@ -2525,7 +2525,7 @@
           <a:p>
             <a:fld id="{F024C23F-14D2-4350-A282-B605EC3C94A5}" type="datetimeFigureOut">
               <a:rPr lang="id-ID" smtClean="0"/>
-              <a:t>22/09/2011</a:t>
+              <a:t>23/09/2011</a:t>
             </a:fld>
             <a:endParaRPr lang="id-ID"/>
           </a:p>
@@ -2802,7 +2802,7 @@
           <a:p>
             <a:fld id="{F024C23F-14D2-4350-A282-B605EC3C94A5}" type="datetimeFigureOut">
               <a:rPr lang="id-ID" smtClean="0"/>
-              <a:t>22/09/2011</a:t>
+              <a:t>23/09/2011</a:t>
             </a:fld>
             <a:endParaRPr lang="id-ID"/>
           </a:p>
@@ -3055,7 +3055,7 @@
           <a:p>
             <a:fld id="{F024C23F-14D2-4350-A282-B605EC3C94A5}" type="datetimeFigureOut">
               <a:rPr lang="id-ID" smtClean="0"/>
-              <a:t>22/09/2011</a:t>
+              <a:t>23/09/2011</a:t>
             </a:fld>
             <a:endParaRPr lang="id-ID"/>
           </a:p>
@@ -3268,7 +3268,7 @@
           <a:p>
             <a:fld id="{F024C23F-14D2-4350-A282-B605EC3C94A5}" type="datetimeFigureOut">
               <a:rPr lang="id-ID" smtClean="0"/>
-              <a:t>22/09/2011</a:t>
+              <a:t>23/09/2011</a:t>
             </a:fld>
             <a:endParaRPr lang="id-ID"/>
           </a:p>
@@ -4110,13 +4110,11 @@
           <a:p>
             <a:r>
               <a:rPr lang="id-ID" sz="4000" b="1" dirty="0" smtClean="0"/>
-              <a:t>2 Tier</a:t>
-            </a:r>
-          </a:p>
-          <a:p>
-            <a:r>
-              <a:rPr lang="id-ID" sz="4000" dirty="0" smtClean="0"/>
-              <a:t>3 Tier</a:t>
+              <a:t>3 </a:t>
+            </a:r>
+            <a:r>
+              <a:rPr lang="id-ID" sz="4000" b="1" dirty="0" smtClean="0"/>
+              <a:t>Tier</a:t>
             </a:r>
           </a:p>
           <a:p>
@@ -4130,224 +4128,24 @@
             <a:pPr lvl="1"/>
             <a:r>
               <a:rPr lang="id-ID" sz="4000" dirty="0" smtClean="0"/>
-              <a:t> Windows Azure</a:t>
+              <a:t> Windows </a:t>
+            </a:r>
+            <a:r>
+              <a:rPr lang="id-ID" sz="4000" dirty="0" smtClean="0"/>
+              <a:t>Azure</a:t>
             </a:r>
             <a:endParaRPr lang="id-ID" sz="4000" dirty="0"/>
           </a:p>
-        </p:txBody>
-      </p:sp>
-    </p:spTree>
-    <p:extLst>
-      <p:ext uri="{BB962C8B-B14F-4D97-AF65-F5344CB8AC3E}">
-        <p14:creationId xmlns:p14="http://schemas.microsoft.com/office/powerpoint/2010/main" val="1719714307"/>
-      </p:ext>
-    </p:extLst>
-  </p:cSld>
-  <p:clrMapOvr>
-    <a:masterClrMapping/>
-  </p:clrMapOvr>
-  <p:timing>
-    <p:tnLst>
-      <p:par>
-        <p:cTn id="1" dur="indefinite" restart="never" nodeType="tmRoot"/>
-      </p:par>
-    </p:tnLst>
-  </p:timing>
-</p:sld>
-</file>
-
-<file path=ppt/slides/slide14.xml><?xml version="1.0" encoding="utf-8"?>
-<p:sld xmlns:a="http://schemas.openxmlformats.org/drawingml/2006/main" xmlns:r="http://schemas.openxmlformats.org/officeDocument/2006/relationships" xmlns:p="http://schemas.openxmlformats.org/presentationml/2006/main">
-  <p:cSld>
-    <p:spTree>
-      <p:nvGrpSpPr>
-        <p:cNvPr id="1" name=""/>
-        <p:cNvGrpSpPr/>
-        <p:nvPr/>
-      </p:nvGrpSpPr>
-      <p:grpSpPr>
-        <a:xfrm>
-          <a:off x="0" y="0"/>
-          <a:ext cx="0" cy="0"/>
-          <a:chOff x="0" y="0"/>
-          <a:chExt cx="0" cy="0"/>
-        </a:xfrm>
-      </p:grpSpPr>
-      <p:pic>
-        <p:nvPicPr>
-          <p:cNvPr id="1026" name="Picture 2" descr="http://blogs.msdn.com/cfs-filesystemfile.ashx/__key/communityserver-blogs-components-weblogfiles/00-00-00-81-88-metablogapi/7382.image361_5F00_6FF74675.png"/>
-          <p:cNvPicPr>
-            <a:picLocks noChangeAspect="1" noChangeArrowheads="1"/>
-          </p:cNvPicPr>
-          <p:nvPr/>
-        </p:nvPicPr>
-        <p:blipFill>
-          <a:blip r:embed="rId3">
-            <a:extLst>
-              <a:ext uri="{28A0092B-C50C-407E-A947-70E740481C1C}">
-                <a14:useLocalDpi xmlns:a14="http://schemas.microsoft.com/office/drawing/2010/main" val="0"/>
-              </a:ext>
-            </a:extLst>
-          </a:blip>
-          <a:srcRect/>
-          <a:stretch>
-            <a:fillRect/>
-          </a:stretch>
-        </p:blipFill>
-        <p:spPr bwMode="auto">
-          <a:xfrm>
-            <a:off x="755576" y="372049"/>
-            <a:ext cx="7344816" cy="5938363"/>
-          </a:xfrm>
-          <a:prstGeom prst="rect">
-            <a:avLst/>
-          </a:prstGeom>
-          <a:noFill/>
-          <a:extLst>
-            <a:ext uri="{909E8E84-426E-40DD-AFC4-6F175D3DCCD1}">
-              <a14:hiddenFill xmlns:a14="http://schemas.microsoft.com/office/drawing/2010/main">
-                <a:solidFill>
-                  <a:srgbClr val="FFFFFF"/>
-                </a:solidFill>
-              </a14:hiddenFill>
-            </a:ext>
-          </a:extLst>
-        </p:spPr>
-      </p:pic>
-      <p:sp>
-        <p:nvSpPr>
-          <p:cNvPr id="4" name="TextBox 3"/>
-          <p:cNvSpPr txBox="1"/>
-          <p:nvPr/>
-        </p:nvSpPr>
-        <p:spPr>
-          <a:xfrm>
-            <a:off x="179512" y="6372775"/>
-            <a:ext cx="8249374" cy="223837"/>
-          </a:xfrm>
-          <a:prstGeom prst="rect">
-            <a:avLst/>
-          </a:prstGeom>
-          <a:noFill/>
-        </p:spPr>
-        <p:txBody>
-          <a:bodyPr wrap="none" rtlCol="0">
-            <a:spAutoFit/>
-          </a:bodyPr>
-          <a:lstStyle/>
-          <a:p>
-            <a:r>
-              <a:rPr lang="id-ID" sz="1000" dirty="0" smtClean="0"/>
-              <a:t>img src: http://blogs.msdn.com/b/bethmassi/archive/2011/03/23/deployment-guide-how-to-configure-a-web-server-to-host-lightswitch-applications.aspx</a:t>
-            </a:r>
-            <a:endParaRPr lang="id-ID" sz="1000" dirty="0"/>
-          </a:p>
-        </p:txBody>
-      </p:sp>
-    </p:spTree>
-    <p:extLst>
-      <p:ext uri="{BB962C8B-B14F-4D97-AF65-F5344CB8AC3E}">
-        <p14:creationId xmlns:p14="http://schemas.microsoft.com/office/powerpoint/2010/main" val="13957044"/>
-      </p:ext>
-    </p:extLst>
-  </p:cSld>
-  <p:clrMapOvr>
-    <a:masterClrMapping/>
-  </p:clrMapOvr>
-  <p:timing>
-    <p:tnLst>
-      <p:par>
-        <p:cTn id="1" dur="indefinite" restart="never" nodeType="tmRoot"/>
-      </p:par>
-    </p:tnLst>
-  </p:timing>
-</p:sld>
-</file>
-
-<file path=ppt/slides/slide15.xml><?xml version="1.0" encoding="utf-8"?>
-<p:sld xmlns:a="http://schemas.openxmlformats.org/drawingml/2006/main" xmlns:r="http://schemas.openxmlformats.org/officeDocument/2006/relationships" xmlns:p="http://schemas.openxmlformats.org/presentationml/2006/main">
-  <p:cSld>
-    <p:spTree>
-      <p:nvGrpSpPr>
-        <p:cNvPr id="1" name=""/>
-        <p:cNvGrpSpPr/>
-        <p:nvPr/>
-      </p:nvGrpSpPr>
-      <p:grpSpPr>
-        <a:xfrm>
-          <a:off x="0" y="0"/>
-          <a:ext cx="0" cy="0"/>
-          <a:chOff x="0" y="0"/>
-          <a:chExt cx="0" cy="0"/>
-        </a:xfrm>
-      </p:grpSpPr>
-      <p:sp>
-        <p:nvSpPr>
-          <p:cNvPr id="2" name="Title 1"/>
-          <p:cNvSpPr>
-            <a:spLocks noGrp="1"/>
-          </p:cNvSpPr>
-          <p:nvPr>
-            <p:ph type="title"/>
-          </p:nvPr>
-        </p:nvSpPr>
-        <p:spPr/>
-        <p:txBody>
-          <a:bodyPr>
-            <a:normAutofit/>
-          </a:bodyPr>
-          <a:lstStyle/>
-          <a:p>
-            <a:r>
-              <a:rPr lang="id-ID" dirty="0" smtClean="0"/>
-              <a:t>Deployment Topologies</a:t>
-            </a:r>
-            <a:endParaRPr lang="id-ID" dirty="0"/>
-          </a:p>
-        </p:txBody>
-      </p:sp>
-      <p:sp>
-        <p:nvSpPr>
-          <p:cNvPr id="3" name="Content Placeholder 2"/>
-          <p:cNvSpPr>
-            <a:spLocks noGrp="1"/>
-          </p:cNvSpPr>
-          <p:nvPr>
-            <p:ph idx="1"/>
-          </p:nvPr>
-        </p:nvSpPr>
-        <p:spPr/>
-        <p:txBody>
-          <a:bodyPr>
-            <a:normAutofit/>
-          </a:bodyPr>
-          <a:lstStyle/>
-          <a:p>
-            <a:r>
-              <a:rPr lang="id-ID" sz="4000" dirty="0" smtClean="0"/>
-              <a:t>2 Tier</a:t>
-            </a:r>
-          </a:p>
-          <a:p>
-            <a:r>
-              <a:rPr lang="id-ID" sz="4000" b="1" dirty="0" smtClean="0"/>
-              <a:t>3 Tier</a:t>
-            </a:r>
-          </a:p>
-          <a:p>
-            <a:pPr lvl="1"/>
-            <a:r>
-              <a:rPr lang="id-ID" sz="4000" dirty="0" smtClean="0"/>
-              <a:t> IIS</a:t>
-            </a:r>
-          </a:p>
-          <a:p>
-            <a:pPr lvl="1"/>
-            <a:r>
-              <a:rPr lang="id-ID" sz="4000" dirty="0" smtClean="0"/>
-              <a:t> Windows Azure</a:t>
-            </a:r>
-            <a:endParaRPr lang="id-ID" sz="4000" dirty="0"/>
+          <a:p>
+            <a:r>
+              <a:rPr lang="id-ID" sz="4400" dirty="0"/>
+              <a:t>2 </a:t>
+            </a:r>
+            <a:r>
+              <a:rPr lang="id-ID" sz="4400" dirty="0" smtClean="0"/>
+              <a:t>Tier</a:t>
+            </a:r>
+            <a:endParaRPr lang="id-ID" sz="4400" dirty="0"/>
           </a:p>
         </p:txBody>
       </p:sp>
@@ -4371,7 +4169,7 @@
 </p:sld>
 </file>
 
-<file path=ppt/slides/slide16.xml><?xml version="1.0" encoding="utf-8"?>
+<file path=ppt/slides/slide14.xml><?xml version="1.0" encoding="utf-8"?>
 <p:sld xmlns:a="http://schemas.openxmlformats.org/drawingml/2006/main" xmlns:r="http://schemas.openxmlformats.org/officeDocument/2006/relationships" xmlns:p="http://schemas.openxmlformats.org/presentationml/2006/main">
   <p:cSld>
     <p:spTree>
@@ -4479,7 +4277,7 @@
 </p:sld>
 </file>
 
-<file path=ppt/slides/slide17.xml><?xml version="1.0" encoding="utf-8"?>
+<file path=ppt/slides/slide15.xml><?xml version="1.0" encoding="utf-8"?>
 <p:sld xmlns:a="http://schemas.openxmlformats.org/drawingml/2006/main" xmlns:r="http://schemas.openxmlformats.org/officeDocument/2006/relationships" xmlns:p="http://schemas.openxmlformats.org/presentationml/2006/main">
   <p:cSld>
     <p:spTree>
@@ -4571,6 +4369,269 @@
     <p:extLst>
       <p:ext uri="{BB962C8B-B14F-4D97-AF65-F5344CB8AC3E}">
         <p14:creationId xmlns:p14="http://schemas.microsoft.com/office/powerpoint/2010/main" val="1235839780"/>
+      </p:ext>
+    </p:extLst>
+  </p:cSld>
+  <p:clrMapOvr>
+    <a:masterClrMapping/>
+  </p:clrMapOvr>
+  <p:timing>
+    <p:tnLst>
+      <p:par>
+        <p:cTn id="1" dur="indefinite" restart="never" nodeType="tmRoot"/>
+      </p:par>
+    </p:tnLst>
+  </p:timing>
+</p:sld>
+</file>
+
+<file path=ppt/slides/slide16.xml><?xml version="1.0" encoding="utf-8"?>
+<p:sld xmlns:a="http://schemas.openxmlformats.org/drawingml/2006/main" xmlns:r="http://schemas.openxmlformats.org/officeDocument/2006/relationships" xmlns:p="http://schemas.openxmlformats.org/presentationml/2006/main">
+  <p:cSld>
+    <p:spTree>
+      <p:nvGrpSpPr>
+        <p:cNvPr id="1" name=""/>
+        <p:cNvGrpSpPr/>
+        <p:nvPr/>
+      </p:nvGrpSpPr>
+      <p:grpSpPr>
+        <a:xfrm>
+          <a:off x="0" y="0"/>
+          <a:ext cx="0" cy="0"/>
+          <a:chOff x="0" y="0"/>
+          <a:chExt cx="0" cy="0"/>
+        </a:xfrm>
+      </p:grpSpPr>
+      <p:sp>
+        <p:nvSpPr>
+          <p:cNvPr id="2" name="Title 1"/>
+          <p:cNvSpPr>
+            <a:spLocks noGrp="1"/>
+          </p:cNvSpPr>
+          <p:nvPr>
+            <p:ph type="title"/>
+          </p:nvPr>
+        </p:nvSpPr>
+        <p:spPr/>
+        <p:txBody>
+          <a:bodyPr>
+            <a:normAutofit/>
+          </a:bodyPr>
+          <a:lstStyle/>
+          <a:p>
+            <a:r>
+              <a:rPr lang="id-ID" dirty="0" smtClean="0"/>
+              <a:t>Deployment Topologies</a:t>
+            </a:r>
+            <a:endParaRPr lang="id-ID" dirty="0"/>
+          </a:p>
+        </p:txBody>
+      </p:sp>
+      <p:sp>
+        <p:nvSpPr>
+          <p:cNvPr id="3" name="Content Placeholder 2"/>
+          <p:cNvSpPr>
+            <a:spLocks noGrp="1"/>
+          </p:cNvSpPr>
+          <p:nvPr>
+            <p:ph idx="1"/>
+          </p:nvPr>
+        </p:nvSpPr>
+        <p:spPr/>
+        <p:txBody>
+          <a:bodyPr>
+            <a:normAutofit/>
+          </a:bodyPr>
+          <a:lstStyle/>
+          <a:p>
+            <a:r>
+              <a:rPr lang="id-ID" sz="4000" dirty="0" smtClean="0"/>
+              <a:t>3 </a:t>
+            </a:r>
+            <a:r>
+              <a:rPr lang="id-ID" sz="4000" dirty="0" smtClean="0"/>
+              <a:t>Tier</a:t>
+            </a:r>
+          </a:p>
+          <a:p>
+            <a:pPr lvl="1"/>
+            <a:r>
+              <a:rPr lang="id-ID" sz="4000" dirty="0" smtClean="0"/>
+              <a:t> IIS</a:t>
+            </a:r>
+          </a:p>
+          <a:p>
+            <a:pPr lvl="1"/>
+            <a:r>
+              <a:rPr lang="id-ID" sz="4000" dirty="0" smtClean="0"/>
+              <a:t> Windows </a:t>
+            </a:r>
+            <a:r>
+              <a:rPr lang="id-ID" sz="4000" dirty="0" smtClean="0"/>
+              <a:t>Azure</a:t>
+            </a:r>
+            <a:endParaRPr lang="id-ID" sz="4000" dirty="0"/>
+          </a:p>
+          <a:p>
+            <a:r>
+              <a:rPr lang="id-ID" sz="4400" b="1" dirty="0"/>
+              <a:t>2 </a:t>
+            </a:r>
+            <a:r>
+              <a:rPr lang="id-ID" sz="4400" b="1" dirty="0" smtClean="0"/>
+              <a:t>Tier</a:t>
+            </a:r>
+            <a:endParaRPr lang="id-ID" sz="4400" b="1" dirty="0"/>
+          </a:p>
+        </p:txBody>
+      </p:sp>
+    </p:spTree>
+    <p:extLst>
+      <p:ext uri="{BB962C8B-B14F-4D97-AF65-F5344CB8AC3E}">
+        <p14:creationId xmlns:p14="http://schemas.microsoft.com/office/powerpoint/2010/main" val="2659919021"/>
+      </p:ext>
+    </p:extLst>
+  </p:cSld>
+  <p:clrMapOvr>
+    <a:masterClrMapping/>
+  </p:clrMapOvr>
+  <p:timing>
+    <p:tnLst>
+      <p:par>
+        <p:cTn id="1" dur="indefinite" restart="never" nodeType="tmRoot"/>
+      </p:par>
+    </p:tnLst>
+  </p:timing>
+</p:sld>
+</file>
+
+<file path=ppt/slides/slide17.xml><?xml version="1.0" encoding="utf-8"?>
+<p:sld xmlns:a="http://schemas.openxmlformats.org/drawingml/2006/main" xmlns:r="http://schemas.openxmlformats.org/officeDocument/2006/relationships" xmlns:p="http://schemas.openxmlformats.org/presentationml/2006/main">
+  <p:cSld>
+    <p:spTree>
+      <p:nvGrpSpPr>
+        <p:cNvPr id="1" name=""/>
+        <p:cNvGrpSpPr/>
+        <p:nvPr/>
+      </p:nvGrpSpPr>
+      <p:grpSpPr>
+        <a:xfrm>
+          <a:off x="0" y="0"/>
+          <a:ext cx="0" cy="0"/>
+          <a:chOff x="0" y="0"/>
+          <a:chExt cx="0" cy="0"/>
+        </a:xfrm>
+      </p:grpSpPr>
+      <p:sp>
+        <p:nvSpPr>
+          <p:cNvPr id="4" name="TextBox 3"/>
+          <p:cNvSpPr txBox="1"/>
+          <p:nvPr/>
+        </p:nvSpPr>
+        <p:spPr>
+          <a:xfrm>
+            <a:off x="179512" y="6372775"/>
+            <a:ext cx="4305987" cy="246221"/>
+          </a:xfrm>
+          <a:prstGeom prst="rect">
+            <a:avLst/>
+          </a:prstGeom>
+          <a:noFill/>
+        </p:spPr>
+        <p:txBody>
+          <a:bodyPr wrap="none" rtlCol="0">
+            <a:spAutoFit/>
+          </a:bodyPr>
+          <a:lstStyle/>
+          <a:p>
+            <a:r>
+              <a:rPr lang="id-ID" sz="1000" dirty="0" smtClean="0"/>
+              <a:t>img </a:t>
+            </a:r>
+            <a:r>
+              <a:rPr lang="id-ID" sz="1000" dirty="0" smtClean="0"/>
+              <a:t>taken from video (</a:t>
+            </a:r>
+            <a:r>
+              <a:rPr lang="id-ID" sz="1000" dirty="0"/>
+              <a:t>http://</a:t>
+            </a:r>
+            <a:r>
+              <a:rPr lang="id-ID" sz="1000" dirty="0" smtClean="0"/>
+              <a:t>msdn.microsoft.com/en-us/lightswitch/gg274326)</a:t>
+            </a:r>
+            <a:endParaRPr lang="id-ID" sz="1000" dirty="0"/>
+          </a:p>
+        </p:txBody>
+      </p:sp>
+      <p:pic>
+        <p:nvPicPr>
+          <p:cNvPr id="5" name="Picture 2"/>
+          <p:cNvPicPr>
+            <a:picLocks noChangeAspect="1" noChangeArrowheads="1"/>
+          </p:cNvPicPr>
+          <p:nvPr/>
+        </p:nvPicPr>
+        <p:blipFill>
+          <a:blip r:embed="rId3">
+            <a:extLst>
+              <a:ext uri="{28A0092B-C50C-407E-A947-70E740481C1C}">
+                <a14:useLocalDpi xmlns:a14="http://schemas.microsoft.com/office/drawing/2010/main" val="0"/>
+              </a:ext>
+            </a:extLst>
+          </a:blip>
+          <a:srcRect/>
+          <a:stretch>
+            <a:fillRect/>
+          </a:stretch>
+        </p:blipFill>
+        <p:spPr bwMode="auto">
+          <a:xfrm>
+            <a:off x="1325112" y="332656"/>
+            <a:ext cx="6631264" cy="5907854"/>
+          </a:xfrm>
+          <a:prstGeom prst="rect">
+            <a:avLst/>
+          </a:prstGeom>
+          <a:noFill/>
+          <a:ln>
+            <a:noFill/>
+          </a:ln>
+          <a:effectLst/>
+          <a:extLst>
+            <a:ext uri="{909E8E84-426E-40DD-AFC4-6F175D3DCCD1}">
+              <a14:hiddenFill xmlns:a14="http://schemas.microsoft.com/office/drawing/2010/main">
+                <a:solidFill>
+                  <a:schemeClr val="accent1"/>
+                </a:solidFill>
+              </a14:hiddenFill>
+            </a:ext>
+            <a:ext uri="{91240B29-F687-4F45-9708-019B960494DF}">
+              <a14:hiddenLine xmlns:a14="http://schemas.microsoft.com/office/drawing/2010/main" w="9525">
+                <a:solidFill>
+                  <a:schemeClr val="tx1"/>
+                </a:solidFill>
+                <a:miter lim="800000"/>
+                <a:headEnd/>
+                <a:tailEnd/>
+              </a14:hiddenLine>
+            </a:ext>
+            <a:ext uri="{AF507438-7753-43E0-B8FC-AC1667EBCBE1}">
+              <a14:hiddenEffects xmlns:a14="http://schemas.microsoft.com/office/drawing/2010/main">
+                <a:effectLst>
+                  <a:outerShdw dist="35921" dir="2700000" algn="ctr" rotWithShape="0">
+                    <a:schemeClr val="bg2"/>
+                  </a:outerShdw>
+                </a:effectLst>
+              </a14:hiddenEffects>
+            </a:ext>
+          </a:extLst>
+        </p:spPr>
+      </p:pic>
+    </p:spTree>
+    <p:extLst>
+      <p:ext uri="{BB962C8B-B14F-4D97-AF65-F5344CB8AC3E}">
+        <p14:creationId xmlns:p14="http://schemas.microsoft.com/office/powerpoint/2010/main" val="13957044"/>
       </p:ext>
     </p:extLst>
   </p:cSld>
@@ -5191,7 +5252,7 @@
               <a:buNone/>
             </a:pPr>
             <a:r>
-              <a:rPr lang="id-ID" sz="3600" dirty="0" smtClean="0"/>
+              <a:rPr lang="id-ID" sz="4800" dirty="0" smtClean="0"/>
               <a:t>Toni Dermawan Yuliyanto</a:t>
             </a:r>
           </a:p>
@@ -5214,7 +5275,7 @@
             <a:pPr marL="0" indent="0">
               <a:buNone/>
             </a:pPr>
-            <a:endParaRPr lang="id-ID" sz="3600" dirty="0"/>
+            <a:endParaRPr lang="id-ID" sz="2800" dirty="0"/>
           </a:p>
           <a:p>
             <a:pPr marL="0" indent="0">
@@ -5244,11 +5305,7 @@
             </a:pPr>
             <a:r>
               <a:rPr lang="id-ID" sz="3600" dirty="0" smtClean="0"/>
-              <a:t>Blog = </a:t>
-            </a:r>
-            <a:r>
-              <a:rPr lang="id-ID" sz="3600" dirty="0" smtClean="0"/>
-              <a:t>tonilab.wordpress.com</a:t>
+              <a:t>Blog = tonilab.wordpress.com</a:t>
             </a:r>
             <a:endParaRPr lang="id-ID" sz="3600" dirty="0"/>
           </a:p>
@@ -5388,189 +5445,6 @@
               <a:t>support LightSwitch hosting.</a:t>
             </a:r>
             <a:endParaRPr lang="id-ID" sz="3600" dirty="0"/>
-          </a:p>
-        </p:txBody>
-      </p:sp>
-      <p:sp>
-        <p:nvSpPr>
-          <p:cNvPr id="5" name="Content Placeholder 2"/>
-          <p:cNvSpPr txBox="1">
-            <a:spLocks/>
-          </p:cNvSpPr>
-          <p:nvPr/>
-        </p:nvSpPr>
-        <p:spPr>
-          <a:xfrm>
-            <a:off x="3779912" y="4454624"/>
-            <a:ext cx="5112568" cy="2016224"/>
-          </a:xfrm>
-          <a:prstGeom prst="rect">
-            <a:avLst/>
-          </a:prstGeom>
-        </p:spPr>
-        <p:txBody>
-          <a:bodyPr vert="horz" lIns="91440" tIns="45720" rIns="91440" bIns="45720" rtlCol="0">
-            <a:noAutofit/>
-          </a:bodyPr>
-          <a:lstStyle>
-            <a:lvl1pPr marL="342900" indent="-342900" algn="l" defTabSz="914400" rtl="0" eaLnBrk="1" latinLnBrk="0" hangingPunct="1">
-              <a:spcBef>
-                <a:spcPct val="20000"/>
-              </a:spcBef>
-              <a:buFont typeface="Arial" pitchFamily="34" charset="0"/>
-              <a:buChar char="•"/>
-              <a:defRPr sz="3200" kern="1200">
-                <a:solidFill>
-                  <a:schemeClr val="tx1"/>
-                </a:solidFill>
-                <a:latin typeface="+mn-lt"/>
-                <a:ea typeface="+mn-ea"/>
-                <a:cs typeface="+mn-cs"/>
-              </a:defRPr>
-            </a:lvl1pPr>
-            <a:lvl2pPr marL="742950" indent="-285750" algn="l" defTabSz="914400" rtl="0" eaLnBrk="1" latinLnBrk="0" hangingPunct="1">
-              <a:spcBef>
-                <a:spcPct val="20000"/>
-              </a:spcBef>
-              <a:buFont typeface="Arial" pitchFamily="34" charset="0"/>
-              <a:buChar char="–"/>
-              <a:defRPr sz="2800" kern="1200">
-                <a:solidFill>
-                  <a:schemeClr val="tx1"/>
-                </a:solidFill>
-                <a:latin typeface="+mn-lt"/>
-                <a:ea typeface="+mn-ea"/>
-                <a:cs typeface="+mn-cs"/>
-              </a:defRPr>
-            </a:lvl2pPr>
-            <a:lvl3pPr marL="1143000" indent="-228600" algn="l" defTabSz="914400" rtl="0" eaLnBrk="1" latinLnBrk="0" hangingPunct="1">
-              <a:spcBef>
-                <a:spcPct val="20000"/>
-              </a:spcBef>
-              <a:buFont typeface="Arial" pitchFamily="34" charset="0"/>
-              <a:buChar char="•"/>
-              <a:defRPr sz="2400" kern="1200">
-                <a:solidFill>
-                  <a:schemeClr val="tx1"/>
-                </a:solidFill>
-                <a:latin typeface="+mn-lt"/>
-                <a:ea typeface="+mn-ea"/>
-                <a:cs typeface="+mn-cs"/>
-              </a:defRPr>
-            </a:lvl3pPr>
-            <a:lvl4pPr marL="1600200" indent="-228600" algn="l" defTabSz="914400" rtl="0" eaLnBrk="1" latinLnBrk="0" hangingPunct="1">
-              <a:spcBef>
-                <a:spcPct val="20000"/>
-              </a:spcBef>
-              <a:buFont typeface="Arial" pitchFamily="34" charset="0"/>
-              <a:buChar char="–"/>
-              <a:defRPr sz="2000" kern="1200">
-                <a:solidFill>
-                  <a:schemeClr val="tx1"/>
-                </a:solidFill>
-                <a:latin typeface="+mn-lt"/>
-                <a:ea typeface="+mn-ea"/>
-                <a:cs typeface="+mn-cs"/>
-              </a:defRPr>
-            </a:lvl4pPr>
-            <a:lvl5pPr marL="2057400" indent="-228600" algn="l" defTabSz="914400" rtl="0" eaLnBrk="1" latinLnBrk="0" hangingPunct="1">
-              <a:spcBef>
-                <a:spcPct val="20000"/>
-              </a:spcBef>
-              <a:buFont typeface="Arial" pitchFamily="34" charset="0"/>
-              <a:buChar char="»"/>
-              <a:defRPr sz="2000" kern="1200">
-                <a:solidFill>
-                  <a:schemeClr val="tx1"/>
-                </a:solidFill>
-                <a:latin typeface="+mn-lt"/>
-                <a:ea typeface="+mn-ea"/>
-                <a:cs typeface="+mn-cs"/>
-              </a:defRPr>
-            </a:lvl5pPr>
-            <a:lvl6pPr marL="2514600" indent="-228600" algn="l" defTabSz="914400" rtl="0" eaLnBrk="1" latinLnBrk="0" hangingPunct="1">
-              <a:spcBef>
-                <a:spcPct val="20000"/>
-              </a:spcBef>
-              <a:buFont typeface="Arial" pitchFamily="34" charset="0"/>
-              <a:buChar char="•"/>
-              <a:defRPr sz="2000" kern="1200">
-                <a:solidFill>
-                  <a:schemeClr val="tx1"/>
-                </a:solidFill>
-                <a:latin typeface="+mn-lt"/>
-                <a:ea typeface="+mn-ea"/>
-                <a:cs typeface="+mn-cs"/>
-              </a:defRPr>
-            </a:lvl6pPr>
-            <a:lvl7pPr marL="2971800" indent="-228600" algn="l" defTabSz="914400" rtl="0" eaLnBrk="1" latinLnBrk="0" hangingPunct="1">
-              <a:spcBef>
-                <a:spcPct val="20000"/>
-              </a:spcBef>
-              <a:buFont typeface="Arial" pitchFamily="34" charset="0"/>
-              <a:buChar char="•"/>
-              <a:defRPr sz="2000" kern="1200">
-                <a:solidFill>
-                  <a:schemeClr val="tx1"/>
-                </a:solidFill>
-                <a:latin typeface="+mn-lt"/>
-                <a:ea typeface="+mn-ea"/>
-                <a:cs typeface="+mn-cs"/>
-              </a:defRPr>
-            </a:lvl7pPr>
-            <a:lvl8pPr marL="3429000" indent="-228600" algn="l" defTabSz="914400" rtl="0" eaLnBrk="1" latinLnBrk="0" hangingPunct="1">
-              <a:spcBef>
-                <a:spcPct val="20000"/>
-              </a:spcBef>
-              <a:buFont typeface="Arial" pitchFamily="34" charset="0"/>
-              <a:buChar char="•"/>
-              <a:defRPr sz="2000" kern="1200">
-                <a:solidFill>
-                  <a:schemeClr val="tx1"/>
-                </a:solidFill>
-                <a:latin typeface="+mn-lt"/>
-                <a:ea typeface="+mn-ea"/>
-                <a:cs typeface="+mn-cs"/>
-              </a:defRPr>
-            </a:lvl8pPr>
-            <a:lvl9pPr marL="3886200" indent="-228600" algn="l" defTabSz="914400" rtl="0" eaLnBrk="1" latinLnBrk="0" hangingPunct="1">
-              <a:spcBef>
-                <a:spcPct val="20000"/>
-              </a:spcBef>
-              <a:buFont typeface="Arial" pitchFamily="34" charset="0"/>
-              <a:buChar char="•"/>
-              <a:defRPr sz="2000" kern="1200">
-                <a:solidFill>
-                  <a:schemeClr val="tx1"/>
-                </a:solidFill>
-                <a:latin typeface="+mn-lt"/>
-                <a:ea typeface="+mn-ea"/>
-                <a:cs typeface="+mn-cs"/>
-              </a:defRPr>
-            </a:lvl9pPr>
-          </a:lstStyle>
-          <a:p>
-            <a:pPr marL="0" indent="0">
-              <a:buNone/>
-            </a:pPr>
-            <a:r>
-              <a:rPr lang="id-ID" sz="3600" dirty="0" smtClean="0"/>
-              <a:t>Want this slide?</a:t>
-            </a:r>
-          </a:p>
-          <a:p>
-            <a:pPr marL="0" indent="0">
-              <a:buNone/>
-            </a:pPr>
-            <a:r>
-              <a:rPr lang="id-ID" sz="3600" dirty="0" smtClean="0"/>
-              <a:t>check at </a:t>
-            </a:r>
-            <a:r>
-              <a:rPr lang="id-ID" sz="3600" b="1" dirty="0" smtClean="0"/>
-              <a:t>github.com/tonidy</a:t>
-            </a:r>
-            <a:endParaRPr lang="id-ID" sz="3600" b="1" dirty="0"/>
           </a:p>
         </p:txBody>
       </p:sp>
@@ -6035,8 +5909,13 @@
             </a:r>
             <a:r>
               <a:rPr lang="id-ID" sz="3600" baseline="0" dirty="0" smtClean="0"/>
-              <a:t>IIS 7 Recommended Configuration.</a:t>
-            </a:r>
+              <a:t>IIS 7 Recommended </a:t>
+            </a:r>
+            <a:r>
+              <a:rPr lang="id-ID" sz="3600" baseline="0" dirty="0" smtClean="0"/>
+              <a:t>Configuration</a:t>
+            </a:r>
+            <a:endParaRPr lang="id-ID" sz="3600" baseline="0" dirty="0" smtClean="0"/>
           </a:p>
           <a:p>
             <a:r>
@@ -6185,6 +6064,20 @@
 <file path=ppt/slides/slide8.xml><?xml version="1.0" encoding="utf-8"?>
 <p:sld xmlns:a="http://schemas.openxmlformats.org/drawingml/2006/main" xmlns:r="http://schemas.openxmlformats.org/officeDocument/2006/relationships" xmlns:p="http://schemas.openxmlformats.org/presentationml/2006/main">
   <p:cSld>
+    <p:bg>
+      <p:bgPr>
+        <a:blipFill dpi="0" rotWithShape="1">
+          <a:blip r:embed="rId2">
+            <a:lum/>
+          </a:blip>
+          <a:srcRect/>
+          <a:stretch>
+            <a:fillRect l="-3000" r="-3000"/>
+          </a:stretch>
+        </a:blipFill>
+        <a:effectLst/>
+      </p:bgPr>
+    </p:bg>
     <p:spTree>
       <p:nvGrpSpPr>
         <p:cNvPr id="1" name=""/>
@@ -6199,47 +6092,6 @@
           <a:chExt cx="0" cy="0"/>
         </a:xfrm>
       </p:grpSpPr>
-      <p:pic>
-        <p:nvPicPr>
-          <p:cNvPr id="1028" name="Picture 4" descr="http://static.smartpassiveincome.com/wp-content/uploads/2010/01/blog-profit.jpg"/>
-          <p:cNvPicPr>
-            <a:picLocks noChangeAspect="1" noChangeArrowheads="1"/>
-          </p:cNvPicPr>
-          <p:nvPr/>
-        </p:nvPicPr>
-        <p:blipFill>
-          <a:blip r:embed="rId2">
-            <a:extLst>
-              <a:ext uri="{28A0092B-C50C-407E-A947-70E740481C1C}">
-                <a14:useLocalDpi xmlns:a14="http://schemas.microsoft.com/office/drawing/2010/main" val="0"/>
-              </a:ext>
-            </a:extLst>
-          </a:blip>
-          <a:srcRect/>
-          <a:stretch>
-            <a:fillRect/>
-          </a:stretch>
-        </p:blipFill>
-        <p:spPr bwMode="auto">
-          <a:xfrm>
-            <a:off x="971600" y="836712"/>
-            <a:ext cx="7416824" cy="5562618"/>
-          </a:xfrm>
-          <a:prstGeom prst="rect">
-            <a:avLst/>
-          </a:prstGeom>
-          <a:noFill/>
-          <a:extLst>
-            <a:ext uri="{909E8E84-426E-40DD-AFC4-6F175D3DCCD1}">
-              <a14:hiddenFill xmlns:a14="http://schemas.microsoft.com/office/drawing/2010/main">
-                <a:solidFill>
-                  <a:srgbClr val="FFFFFF"/>
-                </a:solidFill>
-              </a14:hiddenFill>
-            </a:ext>
-          </a:extLst>
-        </p:spPr>
-      </p:pic>
       <p:sp>
         <p:nvSpPr>
           <p:cNvPr id="3" name="Content Placeholder 2"/>
@@ -6252,7 +6104,7 @@
         </p:nvSpPr>
         <p:spPr>
           <a:xfrm>
-            <a:off x="323528" y="1063277"/>
+            <a:off x="683568" y="1196752"/>
             <a:ext cx="8229600" cy="4525963"/>
           </a:xfrm>
         </p:spPr>
@@ -6266,15 +6118,27 @@
               <a:buNone/>
             </a:pPr>
             <a:r>
-              <a:rPr lang="id-ID" sz="5400" b="1" dirty="0" smtClean="0"/>
+              <a:rPr lang="id-ID" sz="5400" b="1" dirty="0" smtClean="0">
+                <a:solidFill>
+                  <a:schemeClr val="bg1"/>
+                </a:solidFill>
+              </a:rPr>
               <a:t>Only 1 </a:t>
             </a:r>
             <a:r>
-              <a:rPr lang="id-ID" sz="6000" b="1" dirty="0" smtClean="0"/>
+              <a:rPr lang="id-ID" sz="6000" b="1" dirty="0" smtClean="0">
+                <a:solidFill>
+                  <a:schemeClr val="bg1"/>
+                </a:solidFill>
+              </a:rPr>
               <a:t>Application</a:t>
             </a:r>
             <a:r>
-              <a:rPr lang="id-ID" sz="5400" b="1" dirty="0" smtClean="0"/>
+              <a:rPr lang="id-ID" sz="5400" b="1" dirty="0" smtClean="0">
+                <a:solidFill>
+                  <a:schemeClr val="bg1"/>
+                </a:solidFill>
+              </a:rPr>
               <a:t> </a:t>
             </a:r>
           </a:p>
@@ -6283,33 +6147,49 @@
               <a:buNone/>
             </a:pPr>
             <a:r>
-              <a:rPr lang="id-ID" sz="5400" b="1" dirty="0" smtClean="0"/>
+              <a:rPr lang="id-ID" sz="5400" b="1" dirty="0" smtClean="0">
+                <a:solidFill>
+                  <a:schemeClr val="bg1"/>
+                </a:solidFill>
+              </a:rPr>
               <a:t>We Can Create...</a:t>
             </a:r>
-            <a:endParaRPr lang="id-ID" sz="5400" b="1" dirty="0"/>
+            <a:endParaRPr lang="id-ID" sz="5400" b="1" dirty="0">
+              <a:solidFill>
+                <a:schemeClr val="bg1"/>
+              </a:solidFill>
+            </a:endParaRPr>
           </a:p>
           <a:p>
             <a:pPr marL="0" indent="0">
               <a:buNone/>
             </a:pPr>
             <a:r>
-              <a:rPr lang="id-ID" sz="5500" b="1" dirty="0" smtClean="0"/>
+              <a:rPr lang="id-ID" sz="5500" b="1" dirty="0" smtClean="0">
+                <a:solidFill>
+                  <a:schemeClr val="bg1"/>
+                </a:solidFill>
+              </a:rPr>
               <a:t>Many Deployment Options</a:t>
             </a:r>
-            <a:endParaRPr lang="id-ID" sz="5500" b="1" dirty="0"/>
-          </a:p>
-        </p:txBody>
-      </p:sp>
-      <p:sp>
-        <p:nvSpPr>
-          <p:cNvPr id="5" name="TextBox 4"/>
+            <a:endParaRPr lang="id-ID" sz="5500" b="1" dirty="0">
+              <a:solidFill>
+                <a:schemeClr val="bg1"/>
+              </a:solidFill>
+            </a:endParaRPr>
+          </a:p>
+        </p:txBody>
+      </p:sp>
+      <p:sp>
+        <p:nvSpPr>
+          <p:cNvPr id="6" name="TextBox 5"/>
           <p:cNvSpPr txBox="1"/>
           <p:nvPr/>
         </p:nvSpPr>
         <p:spPr>
           <a:xfrm>
             <a:off x="107504" y="6511343"/>
-            <a:ext cx="5004896" cy="246221"/>
+            <a:ext cx="5025735" cy="246221"/>
           </a:xfrm>
           <a:prstGeom prst="rect">
             <a:avLst/>
@@ -6324,12 +6204,21 @@
           <a:p>
             <a:r>
               <a:rPr lang="id-ID" sz="1000" dirty="0" smtClean="0"/>
-              <a:t>img src: </a:t>
+              <a:t>img </a:t>
+            </a:r>
+            <a:r>
+              <a:rPr lang="id-ID" sz="1000" dirty="0" smtClean="0"/>
+              <a:t>src: </a:t>
             </a:r>
             <a:r>
               <a:rPr lang="id-ID" sz="1000" dirty="0"/>
-              <a:t>http://static.smartpassiveincome.com/wp-content/uploads/2010/01/blog-profit.jpg</a:t>
-            </a:r>
+              <a:t>http://www.perfectbalancebooks.com/wp-content/uploads/2010/07/00382634.jpg</a:t>
+            </a:r>
+            <a:r>
+              <a:rPr lang="id-ID" sz="1000" dirty="0" smtClean="0"/>
+              <a:t> </a:t>
+            </a:r>
+            <a:endParaRPr lang="id-ID" sz="1000" dirty="0"/>
           </a:p>
         </p:txBody>
       </p:sp>

--- a/LightSwitchAppsPublishing-toni.pptx
+++ b/LightSwitchAppsPublishing-toni.pptx
@@ -211,7 +211,7 @@
           <a:p>
             <a:fld id="{99E6FAB9-A940-455B-90DD-23C36325C0DF}" type="datetimeFigureOut">
               <a:rPr lang="id-ID" smtClean="0"/>
-              <a:t>23/09/2011</a:t>
+              <a:t>26/09/2011</a:t>
             </a:fld>
             <a:endParaRPr lang="id-ID"/>
           </a:p>
@@ -836,7 +836,7 @@
           <a:p>
             <a:fld id="{F024C23F-14D2-4350-A282-B605EC3C94A5}" type="datetimeFigureOut">
               <a:rPr lang="id-ID" smtClean="0"/>
-              <a:t>23/09/2011</a:t>
+              <a:t>26/09/2011</a:t>
             </a:fld>
             <a:endParaRPr lang="id-ID"/>
           </a:p>
@@ -1006,7 +1006,7 @@
           <a:p>
             <a:fld id="{F024C23F-14D2-4350-A282-B605EC3C94A5}" type="datetimeFigureOut">
               <a:rPr lang="id-ID" smtClean="0"/>
-              <a:t>23/09/2011</a:t>
+              <a:t>26/09/2011</a:t>
             </a:fld>
             <a:endParaRPr lang="id-ID"/>
           </a:p>
@@ -1186,7 +1186,7 @@
           <a:p>
             <a:fld id="{F024C23F-14D2-4350-A282-B605EC3C94A5}" type="datetimeFigureOut">
               <a:rPr lang="id-ID" smtClean="0"/>
-              <a:t>23/09/2011</a:t>
+              <a:t>26/09/2011</a:t>
             </a:fld>
             <a:endParaRPr lang="id-ID"/>
           </a:p>
@@ -1356,7 +1356,7 @@
           <a:p>
             <a:fld id="{F024C23F-14D2-4350-A282-B605EC3C94A5}" type="datetimeFigureOut">
               <a:rPr lang="id-ID" smtClean="0"/>
-              <a:t>23/09/2011</a:t>
+              <a:t>26/09/2011</a:t>
             </a:fld>
             <a:endParaRPr lang="id-ID"/>
           </a:p>
@@ -1602,7 +1602,7 @@
           <a:p>
             <a:fld id="{F024C23F-14D2-4350-A282-B605EC3C94A5}" type="datetimeFigureOut">
               <a:rPr lang="id-ID" smtClean="0"/>
-              <a:t>23/09/2011</a:t>
+              <a:t>26/09/2011</a:t>
             </a:fld>
             <a:endParaRPr lang="id-ID"/>
           </a:p>
@@ -1890,7 +1890,7 @@
           <a:p>
             <a:fld id="{F024C23F-14D2-4350-A282-B605EC3C94A5}" type="datetimeFigureOut">
               <a:rPr lang="id-ID" smtClean="0"/>
-              <a:t>23/09/2011</a:t>
+              <a:t>26/09/2011</a:t>
             </a:fld>
             <a:endParaRPr lang="id-ID"/>
           </a:p>
@@ -2312,7 +2312,7 @@
           <a:p>
             <a:fld id="{F024C23F-14D2-4350-A282-B605EC3C94A5}" type="datetimeFigureOut">
               <a:rPr lang="id-ID" smtClean="0"/>
-              <a:t>23/09/2011</a:t>
+              <a:t>26/09/2011</a:t>
             </a:fld>
             <a:endParaRPr lang="id-ID"/>
           </a:p>
@@ -2430,7 +2430,7 @@
           <a:p>
             <a:fld id="{F024C23F-14D2-4350-A282-B605EC3C94A5}" type="datetimeFigureOut">
               <a:rPr lang="id-ID" smtClean="0"/>
-              <a:t>23/09/2011</a:t>
+              <a:t>26/09/2011</a:t>
             </a:fld>
             <a:endParaRPr lang="id-ID"/>
           </a:p>
@@ -2525,7 +2525,7 @@
           <a:p>
             <a:fld id="{F024C23F-14D2-4350-A282-B605EC3C94A5}" type="datetimeFigureOut">
               <a:rPr lang="id-ID" smtClean="0"/>
-              <a:t>23/09/2011</a:t>
+              <a:t>26/09/2011</a:t>
             </a:fld>
             <a:endParaRPr lang="id-ID"/>
           </a:p>
@@ -2802,7 +2802,7 @@
           <a:p>
             <a:fld id="{F024C23F-14D2-4350-A282-B605EC3C94A5}" type="datetimeFigureOut">
               <a:rPr lang="id-ID" smtClean="0"/>
-              <a:t>23/09/2011</a:t>
+              <a:t>26/09/2011</a:t>
             </a:fld>
             <a:endParaRPr lang="id-ID"/>
           </a:p>
@@ -3055,7 +3055,7 @@
           <a:p>
             <a:fld id="{F024C23F-14D2-4350-A282-B605EC3C94A5}" type="datetimeFigureOut">
               <a:rPr lang="id-ID" smtClean="0"/>
-              <a:t>23/09/2011</a:t>
+              <a:t>26/09/2011</a:t>
             </a:fld>
             <a:endParaRPr lang="id-ID"/>
           </a:p>
@@ -3268,7 +3268,7 @@
           <a:p>
             <a:fld id="{F024C23F-14D2-4350-A282-B605EC3C94A5}" type="datetimeFigureOut">
               <a:rPr lang="id-ID" smtClean="0"/>
-              <a:t>23/09/2011</a:t>
+              <a:t>26/09/2011</a:t>
             </a:fld>
             <a:endParaRPr lang="id-ID"/>
           </a:p>
@@ -4110,11 +4110,7 @@
           <a:p>
             <a:r>
               <a:rPr lang="id-ID" sz="4000" b="1" dirty="0" smtClean="0"/>
-              <a:t>3 </a:t>
-            </a:r>
-            <a:r>
-              <a:rPr lang="id-ID" sz="4000" b="1" dirty="0" smtClean="0"/>
-              <a:t>Tier</a:t>
+              <a:t>3 Tier</a:t>
             </a:r>
           </a:p>
           <a:p>
@@ -4128,11 +4124,7 @@
             <a:pPr lvl="1"/>
             <a:r>
               <a:rPr lang="id-ID" sz="4000" dirty="0" smtClean="0"/>
-              <a:t> Windows </a:t>
-            </a:r>
-            <a:r>
-              <a:rPr lang="id-ID" sz="4000" dirty="0" smtClean="0"/>
-              <a:t>Azure</a:t>
+              <a:t> Windows Azure</a:t>
             </a:r>
             <a:endParaRPr lang="id-ID" sz="4000" dirty="0"/>
           </a:p>
@@ -4446,11 +4438,7 @@
           <a:p>
             <a:r>
               <a:rPr lang="id-ID" sz="4000" dirty="0" smtClean="0"/>
-              <a:t>3 </a:t>
-            </a:r>
-            <a:r>
-              <a:rPr lang="id-ID" sz="4000" dirty="0" smtClean="0"/>
-              <a:t>Tier</a:t>
+              <a:t>3 Tier</a:t>
             </a:r>
           </a:p>
           <a:p>
@@ -4464,11 +4452,7 @@
             <a:pPr lvl="1"/>
             <a:r>
               <a:rPr lang="id-ID" sz="4000" dirty="0" smtClean="0"/>
-              <a:t> Windows </a:t>
-            </a:r>
-            <a:r>
-              <a:rPr lang="id-ID" sz="4000" dirty="0" smtClean="0"/>
-              <a:t>Azure</a:t>
+              <a:t> Windows Azure</a:t>
             </a:r>
             <a:endParaRPr lang="id-ID" sz="4000" dirty="0"/>
           </a:p>
@@ -4546,11 +4530,7 @@
           <a:p>
             <a:r>
               <a:rPr lang="id-ID" sz="1000" dirty="0" smtClean="0"/>
-              <a:t>img </a:t>
-            </a:r>
-            <a:r>
-              <a:rPr lang="id-ID" sz="1000" dirty="0" smtClean="0"/>
-              <a:t>taken from video (</a:t>
+              <a:t>img taken from video (</a:t>
             </a:r>
             <a:r>
               <a:rPr lang="id-ID" sz="1000" dirty="0"/>
@@ -4690,397 +4670,412 @@
           </a:p>
         </p:txBody>
       </p:sp>
-      <p:sp>
-        <p:nvSpPr>
-          <p:cNvPr id="6" name="Oval 5"/>
-          <p:cNvSpPr/>
+      <p:grpSp>
+        <p:nvGrpSpPr>
+          <p:cNvPr id="3" name="Group 2"/>
+          <p:cNvGrpSpPr/>
           <p:nvPr/>
-        </p:nvSpPr>
-        <p:spPr>
+        </p:nvGrpSpPr>
+        <p:grpSpPr>
           <a:xfrm>
-            <a:off x="5436096" y="1356226"/>
-            <a:ext cx="1933872" cy="1893517"/>
+            <a:off x="395536" y="1356226"/>
+            <a:ext cx="8363272" cy="4758379"/>
+            <a:chOff x="395536" y="1356226"/>
+            <a:chExt cx="8363272" cy="4758379"/>
           </a:xfrm>
-          <a:prstGeom prst="ellipse">
-            <a:avLst/>
-          </a:prstGeom>
-        </p:spPr>
-        <p:style>
-          <a:lnRef idx="2">
-            <a:schemeClr val="dk1"/>
-          </a:lnRef>
-          <a:fillRef idx="1">
-            <a:schemeClr val="lt1"/>
-          </a:fillRef>
-          <a:effectRef idx="0">
-            <a:schemeClr val="dk1"/>
-          </a:effectRef>
-          <a:fontRef idx="minor">
-            <a:schemeClr val="dk1"/>
-          </a:fontRef>
-        </p:style>
-        <p:txBody>
-          <a:bodyPr rtlCol="0" anchor="ctr"/>
-          <a:lstStyle/>
-          <a:p>
-            <a:pPr algn="ctr"/>
-            <a:r>
-              <a:rPr lang="id-ID" sz="2400" dirty="0" smtClean="0"/>
-              <a:t>Web App</a:t>
-            </a:r>
-            <a:endParaRPr lang="id-ID" sz="2400" dirty="0"/>
-          </a:p>
-        </p:txBody>
-      </p:sp>
-      <p:sp>
-        <p:nvSpPr>
-          <p:cNvPr id="8" name="Oval 7"/>
-          <p:cNvSpPr/>
-          <p:nvPr/>
-        </p:nvSpPr>
-        <p:spPr>
-          <a:xfrm>
-            <a:off x="395536" y="4221088"/>
-            <a:ext cx="1933872" cy="1893517"/>
-          </a:xfrm>
-          <a:prstGeom prst="ellipse">
-            <a:avLst/>
-          </a:prstGeom>
-        </p:spPr>
-        <p:style>
-          <a:lnRef idx="2">
-            <a:schemeClr val="dk1"/>
-          </a:lnRef>
-          <a:fillRef idx="1">
-            <a:schemeClr val="lt1"/>
-          </a:fillRef>
-          <a:effectRef idx="0">
-            <a:schemeClr val="dk1"/>
-          </a:effectRef>
-          <a:fontRef idx="minor">
-            <a:schemeClr val="dk1"/>
-          </a:fontRef>
-        </p:style>
-        <p:txBody>
-          <a:bodyPr rtlCol="0" anchor="ctr"/>
-          <a:lstStyle/>
-          <a:p>
-            <a:pPr algn="ctr"/>
-            <a:r>
-              <a:rPr lang="id-ID" sz="3200" dirty="0" smtClean="0"/>
-              <a:t>2-Tier</a:t>
-            </a:r>
-            <a:endParaRPr lang="id-ID" sz="3200" dirty="0"/>
-          </a:p>
-        </p:txBody>
-      </p:sp>
-      <p:sp>
-        <p:nvSpPr>
-          <p:cNvPr id="9" name="Oval 8"/>
-          <p:cNvSpPr/>
-          <p:nvPr/>
-        </p:nvSpPr>
-        <p:spPr>
-          <a:xfrm>
-            <a:off x="3851920" y="4187164"/>
-            <a:ext cx="1933872" cy="1893517"/>
-          </a:xfrm>
-          <a:prstGeom prst="ellipse">
-            <a:avLst/>
-          </a:prstGeom>
-          <a:noFill/>
-          <a:ln>
-            <a:solidFill>
+        </p:grpSpPr>
+        <p:sp>
+          <p:nvSpPr>
+            <p:cNvPr id="6" name="Oval 5"/>
+            <p:cNvSpPr/>
+            <p:nvPr/>
+          </p:nvSpPr>
+          <p:spPr>
+            <a:xfrm>
+              <a:off x="5436096" y="1356226"/>
+              <a:ext cx="1933872" cy="1893517"/>
+            </a:xfrm>
+            <a:prstGeom prst="ellipse">
+              <a:avLst/>
+            </a:prstGeom>
+          </p:spPr>
+          <p:style>
+            <a:lnRef idx="2">
+              <a:schemeClr val="dk1"/>
+            </a:lnRef>
+            <a:fillRef idx="1">
+              <a:schemeClr val="lt1"/>
+            </a:fillRef>
+            <a:effectRef idx="0">
+              <a:schemeClr val="dk1"/>
+            </a:effectRef>
+            <a:fontRef idx="minor">
+              <a:schemeClr val="dk1"/>
+            </a:fontRef>
+          </p:style>
+          <p:txBody>
+            <a:bodyPr rtlCol="0" anchor="ctr"/>
+            <a:lstStyle/>
+            <a:p>
+              <a:pPr algn="ctr"/>
+              <a:r>
+                <a:rPr lang="id-ID" sz="2400" dirty="0" smtClean="0"/>
+                <a:t>Web App</a:t>
+              </a:r>
+              <a:endParaRPr lang="id-ID" sz="2400" dirty="0"/>
+            </a:p>
+          </p:txBody>
+        </p:sp>
+        <p:sp>
+          <p:nvSpPr>
+            <p:cNvPr id="8" name="Oval 7"/>
+            <p:cNvSpPr/>
+            <p:nvPr/>
+          </p:nvSpPr>
+          <p:spPr>
+            <a:xfrm>
+              <a:off x="395536" y="4221088"/>
+              <a:ext cx="1933872" cy="1893517"/>
+            </a:xfrm>
+            <a:prstGeom prst="ellipse">
+              <a:avLst/>
+            </a:prstGeom>
+          </p:spPr>
+          <p:style>
+            <a:lnRef idx="2">
+              <a:schemeClr val="dk1"/>
+            </a:lnRef>
+            <a:fillRef idx="1">
+              <a:schemeClr val="lt1"/>
+            </a:fillRef>
+            <a:effectRef idx="0">
+              <a:schemeClr val="dk1"/>
+            </a:effectRef>
+            <a:fontRef idx="minor">
+              <a:schemeClr val="dk1"/>
+            </a:fontRef>
+          </p:style>
+          <p:txBody>
+            <a:bodyPr rtlCol="0" anchor="ctr"/>
+            <a:lstStyle/>
+            <a:p>
+              <a:pPr algn="ctr"/>
+              <a:r>
+                <a:rPr lang="id-ID" sz="3200" dirty="0" smtClean="0"/>
+                <a:t>2-Tier</a:t>
+              </a:r>
+              <a:endParaRPr lang="id-ID" sz="3200" dirty="0"/>
+            </a:p>
+          </p:txBody>
+        </p:sp>
+        <p:sp>
+          <p:nvSpPr>
+            <p:cNvPr id="9" name="Oval 8"/>
+            <p:cNvSpPr/>
+            <p:nvPr/>
+          </p:nvSpPr>
+          <p:spPr>
+            <a:xfrm>
+              <a:off x="3851920" y="4187164"/>
+              <a:ext cx="1933872" cy="1893517"/>
+            </a:xfrm>
+            <a:prstGeom prst="ellipse">
+              <a:avLst/>
+            </a:prstGeom>
+            <a:noFill/>
+            <a:ln>
+              <a:solidFill>
+                <a:schemeClr val="tx1"/>
+              </a:solidFill>
+            </a:ln>
+          </p:spPr>
+          <p:style>
+            <a:lnRef idx="2">
+              <a:schemeClr val="dk1"/>
+            </a:lnRef>
+            <a:fillRef idx="1">
+              <a:schemeClr val="lt1"/>
+            </a:fillRef>
+            <a:effectRef idx="0">
+              <a:schemeClr val="dk1"/>
+            </a:effectRef>
+            <a:fontRef idx="minor">
+              <a:schemeClr val="dk1"/>
+            </a:fontRef>
+          </p:style>
+          <p:txBody>
+            <a:bodyPr rtlCol="0" anchor="ctr"/>
+            <a:lstStyle/>
+            <a:p>
+              <a:pPr algn="ctr"/>
+              <a:r>
+                <a:rPr lang="id-ID" sz="2800" dirty="0" smtClean="0"/>
+                <a:t>3-Tier (IIS)</a:t>
+              </a:r>
+              <a:endParaRPr lang="id-ID" sz="2800" dirty="0"/>
+            </a:p>
+          </p:txBody>
+        </p:sp>
+        <p:sp>
+          <p:nvSpPr>
+            <p:cNvPr id="10" name="Oval 9"/>
+            <p:cNvSpPr/>
+            <p:nvPr/>
+          </p:nvSpPr>
+          <p:spPr>
+            <a:xfrm>
+              <a:off x="6732240" y="4221088"/>
+              <a:ext cx="2026568" cy="1893517"/>
+            </a:xfrm>
+            <a:prstGeom prst="ellipse">
+              <a:avLst/>
+            </a:prstGeom>
+          </p:spPr>
+          <p:style>
+            <a:lnRef idx="2">
+              <a:schemeClr val="dk1"/>
+            </a:lnRef>
+            <a:fillRef idx="1">
+              <a:schemeClr val="lt1"/>
+            </a:fillRef>
+            <a:effectRef idx="0">
+              <a:schemeClr val="dk1"/>
+            </a:effectRef>
+            <a:fontRef idx="minor">
+              <a:schemeClr val="dk1"/>
+            </a:fontRef>
+          </p:style>
+          <p:txBody>
+            <a:bodyPr rtlCol="0" anchor="ctr"/>
+            <a:lstStyle/>
+            <a:p>
+              <a:pPr algn="ctr"/>
+              <a:r>
+                <a:rPr lang="id-ID" sz="2400" dirty="0" smtClean="0"/>
+                <a:t>3-Tier (Windows Azure)</a:t>
+              </a:r>
+              <a:endParaRPr lang="id-ID" sz="2400" dirty="0"/>
+            </a:p>
+          </p:txBody>
+        </p:sp>
+        <p:sp>
+          <p:nvSpPr>
+            <p:cNvPr id="11" name="Oval 10"/>
+            <p:cNvSpPr/>
+            <p:nvPr/>
+          </p:nvSpPr>
+          <p:spPr>
+            <a:xfrm>
+              <a:off x="2195736" y="1484783"/>
+              <a:ext cx="1933872" cy="1893517"/>
+            </a:xfrm>
+            <a:prstGeom prst="ellipse">
+              <a:avLst/>
+            </a:prstGeom>
+          </p:spPr>
+          <p:style>
+            <a:lnRef idx="2">
+              <a:schemeClr val="dk1"/>
+            </a:lnRef>
+            <a:fillRef idx="1">
+              <a:schemeClr val="lt1"/>
+            </a:fillRef>
+            <a:effectRef idx="0">
+              <a:schemeClr val="dk1"/>
+            </a:effectRef>
+            <a:fontRef idx="minor">
+              <a:schemeClr val="dk1"/>
+            </a:fontRef>
+          </p:style>
+          <p:txBody>
+            <a:bodyPr rtlCol="0" anchor="ctr"/>
+            <a:lstStyle/>
+            <a:p>
+              <a:pPr algn="ctr"/>
+              <a:r>
+                <a:rPr lang="id-ID" sz="2400" dirty="0" smtClean="0"/>
+                <a:t>Desktop App</a:t>
+              </a:r>
+              <a:endParaRPr lang="id-ID" sz="2400" dirty="0"/>
+            </a:p>
+          </p:txBody>
+        </p:sp>
+        <p:cxnSp>
+          <p:nvCxnSpPr>
+            <p:cNvPr id="15" name="Straight Connector 14"/>
+            <p:cNvCxnSpPr>
+              <a:stCxn id="11" idx="4"/>
+            </p:cNvCxnSpPr>
+            <p:nvPr/>
+          </p:nvCxnSpPr>
+          <p:spPr>
+            <a:xfrm flipH="1">
+              <a:off x="1835697" y="3378300"/>
+              <a:ext cx="1326975" cy="842788"/>
+            </a:xfrm>
+            <a:prstGeom prst="line">
+              <a:avLst/>
+            </a:prstGeom>
+            <a:ln>
+              <a:tailEnd type="arrow"/>
+            </a:ln>
+          </p:spPr>
+          <p:style>
+            <a:lnRef idx="2">
+              <a:schemeClr val="dk1"/>
+            </a:lnRef>
+            <a:fillRef idx="0">
+              <a:schemeClr val="dk1"/>
+            </a:fillRef>
+            <a:effectRef idx="1">
+              <a:schemeClr val="dk1"/>
+            </a:effectRef>
+            <a:fontRef idx="minor">
               <a:schemeClr val="tx1"/>
-            </a:solidFill>
-          </a:ln>
-        </p:spPr>
-        <p:style>
-          <a:lnRef idx="2">
-            <a:schemeClr val="dk1"/>
-          </a:lnRef>
-          <a:fillRef idx="1">
-            <a:schemeClr val="lt1"/>
-          </a:fillRef>
-          <a:effectRef idx="0">
-            <a:schemeClr val="dk1"/>
-          </a:effectRef>
-          <a:fontRef idx="minor">
-            <a:schemeClr val="dk1"/>
-          </a:fontRef>
-        </p:style>
-        <p:txBody>
-          <a:bodyPr rtlCol="0" anchor="ctr"/>
-          <a:lstStyle/>
-          <a:p>
-            <a:pPr algn="ctr"/>
-            <a:r>
-              <a:rPr lang="id-ID" sz="2800" dirty="0" smtClean="0"/>
-              <a:t>3-Tier (IIS)</a:t>
-            </a:r>
-            <a:endParaRPr lang="id-ID" sz="2800" dirty="0"/>
-          </a:p>
-        </p:txBody>
-      </p:sp>
-      <p:sp>
-        <p:nvSpPr>
-          <p:cNvPr id="10" name="Oval 9"/>
-          <p:cNvSpPr/>
-          <p:nvPr/>
-        </p:nvSpPr>
-        <p:spPr>
-          <a:xfrm>
-            <a:off x="6732240" y="4221088"/>
-            <a:ext cx="2026568" cy="1893517"/>
-          </a:xfrm>
-          <a:prstGeom prst="ellipse">
-            <a:avLst/>
-          </a:prstGeom>
-        </p:spPr>
-        <p:style>
-          <a:lnRef idx="2">
-            <a:schemeClr val="dk1"/>
-          </a:lnRef>
-          <a:fillRef idx="1">
-            <a:schemeClr val="lt1"/>
-          </a:fillRef>
-          <a:effectRef idx="0">
-            <a:schemeClr val="dk1"/>
-          </a:effectRef>
-          <a:fontRef idx="minor">
-            <a:schemeClr val="dk1"/>
-          </a:fontRef>
-        </p:style>
-        <p:txBody>
-          <a:bodyPr rtlCol="0" anchor="ctr"/>
-          <a:lstStyle/>
-          <a:p>
-            <a:pPr algn="ctr"/>
-            <a:r>
-              <a:rPr lang="id-ID" sz="2400" dirty="0" smtClean="0"/>
-              <a:t>3-Tier (Windows Azure)</a:t>
-            </a:r>
-            <a:endParaRPr lang="id-ID" sz="2400" dirty="0"/>
-          </a:p>
-        </p:txBody>
-      </p:sp>
-      <p:sp>
-        <p:nvSpPr>
-          <p:cNvPr id="11" name="Oval 10"/>
-          <p:cNvSpPr/>
-          <p:nvPr/>
-        </p:nvSpPr>
-        <p:spPr>
-          <a:xfrm>
-            <a:off x="2195736" y="1484783"/>
-            <a:ext cx="1933872" cy="1893517"/>
-          </a:xfrm>
-          <a:prstGeom prst="ellipse">
-            <a:avLst/>
-          </a:prstGeom>
-        </p:spPr>
-        <p:style>
-          <a:lnRef idx="2">
-            <a:schemeClr val="dk1"/>
-          </a:lnRef>
-          <a:fillRef idx="1">
-            <a:schemeClr val="lt1"/>
-          </a:fillRef>
-          <a:effectRef idx="0">
-            <a:schemeClr val="dk1"/>
-          </a:effectRef>
-          <a:fontRef idx="minor">
-            <a:schemeClr val="dk1"/>
-          </a:fontRef>
-        </p:style>
-        <p:txBody>
-          <a:bodyPr rtlCol="0" anchor="ctr"/>
-          <a:lstStyle/>
-          <a:p>
-            <a:pPr algn="ctr"/>
-            <a:r>
-              <a:rPr lang="id-ID" sz="2400" dirty="0" smtClean="0"/>
-              <a:t>Desktop App</a:t>
-            </a:r>
-            <a:endParaRPr lang="id-ID" sz="2400" dirty="0"/>
-          </a:p>
-        </p:txBody>
-      </p:sp>
-      <p:cxnSp>
-        <p:nvCxnSpPr>
-          <p:cNvPr id="15" name="Straight Connector 14"/>
-          <p:cNvCxnSpPr>
-            <a:stCxn id="11" idx="4"/>
-          </p:cNvCxnSpPr>
-          <p:nvPr/>
-        </p:nvCxnSpPr>
-        <p:spPr>
-          <a:xfrm flipH="1">
-            <a:off x="1835697" y="3378300"/>
-            <a:ext cx="1326975" cy="842788"/>
-          </a:xfrm>
-          <a:prstGeom prst="line">
-            <a:avLst/>
-          </a:prstGeom>
-          <a:ln>
-            <a:tailEnd type="arrow"/>
-          </a:ln>
-        </p:spPr>
-        <p:style>
-          <a:lnRef idx="2">
-            <a:schemeClr val="dk1"/>
-          </a:lnRef>
-          <a:fillRef idx="0">
-            <a:schemeClr val="dk1"/>
-          </a:fillRef>
-          <a:effectRef idx="1">
-            <a:schemeClr val="dk1"/>
-          </a:effectRef>
-          <a:fontRef idx="minor">
-            <a:schemeClr val="tx1"/>
-          </a:fontRef>
-        </p:style>
-      </p:cxnSp>
-      <p:cxnSp>
-        <p:nvCxnSpPr>
-          <p:cNvPr id="20" name="Straight Connector 19"/>
-          <p:cNvCxnSpPr>
-            <a:stCxn id="11" idx="4"/>
-          </p:cNvCxnSpPr>
-          <p:nvPr/>
-        </p:nvCxnSpPr>
-        <p:spPr>
-          <a:xfrm>
-            <a:off x="3162672" y="3378300"/>
-            <a:ext cx="1193304" cy="808864"/>
-          </a:xfrm>
-          <a:prstGeom prst="line">
-            <a:avLst/>
-          </a:prstGeom>
-          <a:ln>
-            <a:tailEnd type="arrow"/>
-          </a:ln>
-        </p:spPr>
-        <p:style>
-          <a:lnRef idx="2">
-            <a:schemeClr val="dk1"/>
-          </a:lnRef>
-          <a:fillRef idx="0">
-            <a:schemeClr val="dk1"/>
-          </a:fillRef>
-          <a:effectRef idx="1">
-            <a:schemeClr val="dk1"/>
-          </a:effectRef>
-          <a:fontRef idx="minor">
-            <a:schemeClr val="tx1"/>
-          </a:fontRef>
-        </p:style>
-      </p:cxnSp>
-      <p:cxnSp>
-        <p:nvCxnSpPr>
-          <p:cNvPr id="24" name="Straight Connector 23"/>
-          <p:cNvCxnSpPr>
-            <a:stCxn id="11" idx="4"/>
-          </p:cNvCxnSpPr>
-          <p:nvPr/>
-        </p:nvCxnSpPr>
-        <p:spPr>
-          <a:xfrm>
-            <a:off x="3162672" y="3378300"/>
-            <a:ext cx="3723828" cy="842788"/>
-          </a:xfrm>
-          <a:prstGeom prst="line">
-            <a:avLst/>
-          </a:prstGeom>
-          <a:ln>
-            <a:tailEnd type="arrow"/>
-          </a:ln>
-        </p:spPr>
-        <p:style>
-          <a:lnRef idx="2">
-            <a:schemeClr val="dk1"/>
-          </a:lnRef>
-          <a:fillRef idx="0">
-            <a:schemeClr val="dk1"/>
-          </a:fillRef>
-          <a:effectRef idx="1">
-            <a:schemeClr val="dk1"/>
-          </a:effectRef>
-          <a:fontRef idx="minor">
-            <a:schemeClr val="tx1"/>
-          </a:fontRef>
-        </p:style>
-      </p:cxnSp>
-      <p:cxnSp>
-        <p:nvCxnSpPr>
-          <p:cNvPr id="25" name="Straight Connector 24"/>
-          <p:cNvCxnSpPr>
-            <a:stCxn id="6" idx="4"/>
-          </p:cNvCxnSpPr>
-          <p:nvPr/>
-        </p:nvCxnSpPr>
-        <p:spPr>
-          <a:xfrm flipH="1">
-            <a:off x="5436096" y="3249743"/>
-            <a:ext cx="966936" cy="971345"/>
-          </a:xfrm>
-          <a:prstGeom prst="line">
-            <a:avLst/>
-          </a:prstGeom>
-          <a:ln>
-            <a:tailEnd type="arrow"/>
-          </a:ln>
-        </p:spPr>
-        <p:style>
-          <a:lnRef idx="2">
-            <a:schemeClr val="dk1"/>
-          </a:lnRef>
-          <a:fillRef idx="0">
-            <a:schemeClr val="dk1"/>
-          </a:fillRef>
-          <a:effectRef idx="1">
-            <a:schemeClr val="dk1"/>
-          </a:effectRef>
-          <a:fontRef idx="minor">
-            <a:schemeClr val="tx1"/>
-          </a:fontRef>
-        </p:style>
-      </p:cxnSp>
-      <p:cxnSp>
-        <p:nvCxnSpPr>
-          <p:cNvPr id="26" name="Straight Connector 25"/>
-          <p:cNvCxnSpPr>
-            <a:stCxn id="6" idx="4"/>
-          </p:cNvCxnSpPr>
-          <p:nvPr/>
-        </p:nvCxnSpPr>
-        <p:spPr>
-          <a:xfrm>
-            <a:off x="6403032" y="3249743"/>
-            <a:ext cx="966936" cy="937421"/>
-          </a:xfrm>
-          <a:prstGeom prst="line">
-            <a:avLst/>
-          </a:prstGeom>
-          <a:ln>
-            <a:tailEnd type="arrow"/>
-          </a:ln>
-        </p:spPr>
-        <p:style>
-          <a:lnRef idx="2">
-            <a:schemeClr val="dk1"/>
-          </a:lnRef>
-          <a:fillRef idx="0">
-            <a:schemeClr val="dk1"/>
-          </a:fillRef>
-          <a:effectRef idx="1">
-            <a:schemeClr val="dk1"/>
-          </a:effectRef>
-          <a:fontRef idx="minor">
-            <a:schemeClr val="tx1"/>
-          </a:fontRef>
-        </p:style>
-      </p:cxnSp>
+            </a:fontRef>
+          </p:style>
+        </p:cxnSp>
+        <p:cxnSp>
+          <p:nvCxnSpPr>
+            <p:cNvPr id="20" name="Straight Connector 19"/>
+            <p:cNvCxnSpPr>
+              <a:stCxn id="11" idx="4"/>
+            </p:cNvCxnSpPr>
+            <p:nvPr/>
+          </p:nvCxnSpPr>
+          <p:spPr>
+            <a:xfrm>
+              <a:off x="3162672" y="3378300"/>
+              <a:ext cx="1193304" cy="808864"/>
+            </a:xfrm>
+            <a:prstGeom prst="line">
+              <a:avLst/>
+            </a:prstGeom>
+            <a:ln>
+              <a:tailEnd type="arrow"/>
+            </a:ln>
+          </p:spPr>
+          <p:style>
+            <a:lnRef idx="2">
+              <a:schemeClr val="dk1"/>
+            </a:lnRef>
+            <a:fillRef idx="0">
+              <a:schemeClr val="dk1"/>
+            </a:fillRef>
+            <a:effectRef idx="1">
+              <a:schemeClr val="dk1"/>
+            </a:effectRef>
+            <a:fontRef idx="minor">
+              <a:schemeClr val="tx1"/>
+            </a:fontRef>
+          </p:style>
+        </p:cxnSp>
+        <p:cxnSp>
+          <p:nvCxnSpPr>
+            <p:cNvPr id="24" name="Straight Connector 23"/>
+            <p:cNvCxnSpPr>
+              <a:stCxn id="11" idx="4"/>
+            </p:cNvCxnSpPr>
+            <p:nvPr/>
+          </p:nvCxnSpPr>
+          <p:spPr>
+            <a:xfrm>
+              <a:off x="3162672" y="3378300"/>
+              <a:ext cx="3723828" cy="842788"/>
+            </a:xfrm>
+            <a:prstGeom prst="line">
+              <a:avLst/>
+            </a:prstGeom>
+            <a:ln>
+              <a:tailEnd type="arrow"/>
+            </a:ln>
+          </p:spPr>
+          <p:style>
+            <a:lnRef idx="2">
+              <a:schemeClr val="dk1"/>
+            </a:lnRef>
+            <a:fillRef idx="0">
+              <a:schemeClr val="dk1"/>
+            </a:fillRef>
+            <a:effectRef idx="1">
+              <a:schemeClr val="dk1"/>
+            </a:effectRef>
+            <a:fontRef idx="minor">
+              <a:schemeClr val="tx1"/>
+            </a:fontRef>
+          </p:style>
+        </p:cxnSp>
+        <p:cxnSp>
+          <p:nvCxnSpPr>
+            <p:cNvPr id="25" name="Straight Connector 24"/>
+            <p:cNvCxnSpPr>
+              <a:stCxn id="6" idx="4"/>
+            </p:cNvCxnSpPr>
+            <p:nvPr/>
+          </p:nvCxnSpPr>
+          <p:spPr>
+            <a:xfrm flipH="1">
+              <a:off x="5436096" y="3249743"/>
+              <a:ext cx="966936" cy="971345"/>
+            </a:xfrm>
+            <a:prstGeom prst="line">
+              <a:avLst/>
+            </a:prstGeom>
+            <a:ln>
+              <a:tailEnd type="arrow"/>
+            </a:ln>
+          </p:spPr>
+          <p:style>
+            <a:lnRef idx="2">
+              <a:schemeClr val="dk1"/>
+            </a:lnRef>
+            <a:fillRef idx="0">
+              <a:schemeClr val="dk1"/>
+            </a:fillRef>
+            <a:effectRef idx="1">
+              <a:schemeClr val="dk1"/>
+            </a:effectRef>
+            <a:fontRef idx="minor">
+              <a:schemeClr val="tx1"/>
+            </a:fontRef>
+          </p:style>
+        </p:cxnSp>
+        <p:cxnSp>
+          <p:nvCxnSpPr>
+            <p:cNvPr id="26" name="Straight Connector 25"/>
+            <p:cNvCxnSpPr>
+              <a:stCxn id="6" idx="4"/>
+            </p:cNvCxnSpPr>
+            <p:nvPr/>
+          </p:nvCxnSpPr>
+          <p:spPr>
+            <a:xfrm>
+              <a:off x="6403032" y="3249743"/>
+              <a:ext cx="966936" cy="937421"/>
+            </a:xfrm>
+            <a:prstGeom prst="line">
+              <a:avLst/>
+            </a:prstGeom>
+            <a:ln>
+              <a:tailEnd type="arrow"/>
+            </a:ln>
+          </p:spPr>
+          <p:style>
+            <a:lnRef idx="2">
+              <a:schemeClr val="dk1"/>
+            </a:lnRef>
+            <a:fillRef idx="0">
+              <a:schemeClr val="dk1"/>
+            </a:fillRef>
+            <a:effectRef idx="1">
+              <a:schemeClr val="dk1"/>
+            </a:effectRef>
+            <a:fontRef idx="minor">
+              <a:schemeClr val="tx1"/>
+            </a:fontRef>
+          </p:style>
+        </p:cxnSp>
+      </p:grpSp>
     </p:spTree>
     <p:extLst>
       <p:ext uri="{BB962C8B-B14F-4D97-AF65-F5344CB8AC3E}">
@@ -5909,13 +5904,8 @@
             </a:r>
             <a:r>
               <a:rPr lang="id-ID" sz="3600" baseline="0" dirty="0" smtClean="0"/>
-              <a:t>IIS 7 Recommended </a:t>
-            </a:r>
-            <a:r>
-              <a:rPr lang="id-ID" sz="3600" baseline="0" dirty="0" smtClean="0"/>
-              <a:t>Configuration</a:t>
-            </a:r>
-            <a:endParaRPr lang="id-ID" sz="3600" baseline="0" dirty="0" smtClean="0"/>
+              <a:t>IIS 7 Recommended Configuration</a:t>
+            </a:r>
           </a:p>
           <a:p>
             <a:r>
@@ -5926,17 +5916,13 @@
           <a:p>
             <a:r>
               <a:rPr lang="id-ID" sz="3600" dirty="0" smtClean="0"/>
-              <a:t>Install Web Deploy 2.1 (optional)</a:t>
-            </a:r>
-          </a:p>
-          <a:p>
-            <a:pPr marL="0" indent="0">
-              <a:buNone/>
-            </a:pPr>
+              <a:t>Install Web Deploy 2.1 (optional</a:t>
+            </a:r>
+            <a:r>
+              <a:rPr lang="id-ID" sz="3600" dirty="0" smtClean="0"/>
+              <a:t>)</a:t>
+            </a:r>
             <a:endParaRPr lang="id-ID" sz="3600" dirty="0" smtClean="0"/>
-          </a:p>
-          <a:p>
-            <a:endParaRPr lang="id-ID" sz="3600" dirty="0"/>
           </a:p>
         </p:txBody>
       </p:sp>
@@ -6204,11 +6190,7 @@
           <a:p>
             <a:r>
               <a:rPr lang="id-ID" sz="1000" dirty="0" smtClean="0"/>
-              <a:t>img </a:t>
-            </a:r>
-            <a:r>
-              <a:rPr lang="id-ID" sz="1000" dirty="0" smtClean="0"/>
-              <a:t>src: </a:t>
+              <a:t>img src: </a:t>
             </a:r>
             <a:r>
               <a:rPr lang="id-ID" sz="1000" dirty="0"/>
@@ -6272,17 +6254,18 @@
         <p:spPr/>
         <p:txBody>
           <a:bodyPr>
-            <a:normAutofit fontScale="90000"/>
+            <a:normAutofit/>
           </a:bodyPr>
           <a:lstStyle/>
           <a:p>
             <a:r>
               <a:rPr lang="id-ID" dirty="0" smtClean="0"/>
-              <a:t>Application Types</a:t>
-            </a:r>
-            <a:br>
+              <a:t>Application </a:t>
+            </a:r>
+            <a:r>
               <a:rPr lang="id-ID" dirty="0" smtClean="0"/>
-            </a:br>
+              <a:t>Types</a:t>
+            </a:r>
             <a:endParaRPr lang="id-ID" dirty="0"/>
           </a:p>
         </p:txBody>

--- a/LightSwitchAppsPublishing-toni.pptx
+++ b/LightSwitchAppsPublishing-toni.pptx
@@ -249,7 +249,7 @@
           <a:p>
             <a:fld id="{F7DA01A3-7826-4FE0-87AC-C0846A1B233D}" type="datetimeFigureOut">
               <a:rPr lang="en-US" smtClean="0"/>
-              <a:t>9/27/2011</a:t>
+              <a:t>9/30/2011</a:t>
             </a:fld>
             <a:endParaRPr lang="en-US"/>
           </a:p>
@@ -8877,8 +8877,25 @@
             </a:pPr>
             <a:r>
               <a:rPr lang="id-ID" sz="4400" dirty="0"/>
-              <a:t>Mail = toni@erudeye.co.id</a:t>
-            </a:r>
+              <a:t>Mail = </a:t>
+            </a:r>
+            <a:r>
+              <a:rPr lang="id-ID" sz="4400" dirty="0" err="1" smtClean="0"/>
+              <a:t>toni</a:t>
+            </a:r>
+            <a:r>
+              <a:rPr lang="id-ID" sz="4400" dirty="0" smtClean="0"/>
+              <a:t>(</a:t>
+            </a:r>
+            <a:r>
+              <a:rPr lang="id-ID" sz="4400" dirty="0" err="1" smtClean="0"/>
+              <a:t>at</a:t>
+            </a:r>
+            <a:r>
+              <a:rPr lang="id-ID" sz="4400" smtClean="0"/>
+              <a:t>)erudeye.co.id</a:t>
+            </a:r>
+            <a:endParaRPr lang="id-ID" sz="4400" dirty="0"/>
           </a:p>
           <a:p>
             <a:pPr marL="0" indent="0">
